--- a/kuberneties.pptx
+++ b/kuberneties.pptx
@@ -5,7 +5,7 @@
     <p:sldMasterId id="2147483648" r:id="rId1"/>
   </p:sldMasterIdLst>
   <p:notesMasterIdLst>
-    <p:notesMasterId r:id="rId26"/>
+    <p:notesMasterId r:id="rId27"/>
   </p:notesMasterIdLst>
   <p:sldIdLst>
     <p:sldId id="256" r:id="rId2"/>
@@ -32,6 +32,7 @@
     <p:sldId id="277" r:id="rId23"/>
     <p:sldId id="278" r:id="rId24"/>
     <p:sldId id="279" r:id="rId25"/>
+    <p:sldId id="280" r:id="rId26"/>
   </p:sldIdLst>
   <p:sldSz cx="12192000" cy="6858000"/>
   <p:notesSz cx="6858000" cy="9144000"/>
@@ -220,7 +221,7 @@
           <a:p>
             <a:fld id="{4660613C-13FF-FB49-9409-BE992D2DD09D}" type="datetimeFigureOut">
               <a:rPr lang="en-US" smtClean="0"/>
-              <a:t>3/24/20</a:t>
+              <a:t>9/20/23</a:t>
             </a:fld>
             <a:endParaRPr lang="en-US"/>
           </a:p>
@@ -718,7 +719,7 @@
           <a:p>
             <a:fld id="{61D1B961-7629-FD4E-B754-9F157B535951}" type="datetimeFigureOut">
               <a:rPr lang="en-US" smtClean="0"/>
-              <a:t>3/24/20</a:t>
+              <a:t>9/20/23</a:t>
             </a:fld>
             <a:endParaRPr lang="en-US"/>
           </a:p>
@@ -916,7 +917,7 @@
           <a:p>
             <a:fld id="{61D1B961-7629-FD4E-B754-9F157B535951}" type="datetimeFigureOut">
               <a:rPr lang="en-US" smtClean="0"/>
-              <a:t>3/24/20</a:t>
+              <a:t>9/20/23</a:t>
             </a:fld>
             <a:endParaRPr lang="en-US"/>
           </a:p>
@@ -1124,7 +1125,7 @@
           <a:p>
             <a:fld id="{61D1B961-7629-FD4E-B754-9F157B535951}" type="datetimeFigureOut">
               <a:rPr lang="en-US" smtClean="0"/>
-              <a:t>3/24/20</a:t>
+              <a:t>9/20/23</a:t>
             </a:fld>
             <a:endParaRPr lang="en-US"/>
           </a:p>
@@ -1322,7 +1323,7 @@
           <a:p>
             <a:fld id="{61D1B961-7629-FD4E-B754-9F157B535951}" type="datetimeFigureOut">
               <a:rPr lang="en-US" smtClean="0"/>
-              <a:t>3/24/20</a:t>
+              <a:t>9/20/23</a:t>
             </a:fld>
             <a:endParaRPr lang="en-US"/>
           </a:p>
@@ -1597,7 +1598,7 @@
           <a:p>
             <a:fld id="{61D1B961-7629-FD4E-B754-9F157B535951}" type="datetimeFigureOut">
               <a:rPr lang="en-US" smtClean="0"/>
-              <a:t>3/24/20</a:t>
+              <a:t>9/20/23</a:t>
             </a:fld>
             <a:endParaRPr lang="en-US"/>
           </a:p>
@@ -1862,7 +1863,7 @@
           <a:p>
             <a:fld id="{61D1B961-7629-FD4E-B754-9F157B535951}" type="datetimeFigureOut">
               <a:rPr lang="en-US" smtClean="0"/>
-              <a:t>3/24/20</a:t>
+              <a:t>9/20/23</a:t>
             </a:fld>
             <a:endParaRPr lang="en-US"/>
           </a:p>
@@ -2274,7 +2275,7 @@
           <a:p>
             <a:fld id="{61D1B961-7629-FD4E-B754-9F157B535951}" type="datetimeFigureOut">
               <a:rPr lang="en-US" smtClean="0"/>
-              <a:t>3/24/20</a:t>
+              <a:t>9/20/23</a:t>
             </a:fld>
             <a:endParaRPr lang="en-US"/>
           </a:p>
@@ -2415,7 +2416,7 @@
           <a:p>
             <a:fld id="{61D1B961-7629-FD4E-B754-9F157B535951}" type="datetimeFigureOut">
               <a:rPr lang="en-US" smtClean="0"/>
-              <a:t>3/24/20</a:t>
+              <a:t>9/20/23</a:t>
             </a:fld>
             <a:endParaRPr lang="en-US"/>
           </a:p>
@@ -2528,7 +2529,7 @@
           <a:p>
             <a:fld id="{61D1B961-7629-FD4E-B754-9F157B535951}" type="datetimeFigureOut">
               <a:rPr lang="en-US" smtClean="0"/>
-              <a:t>3/24/20</a:t>
+              <a:t>9/20/23</a:t>
             </a:fld>
             <a:endParaRPr lang="en-US"/>
           </a:p>
@@ -2839,7 +2840,7 @@
           <a:p>
             <a:fld id="{61D1B961-7629-FD4E-B754-9F157B535951}" type="datetimeFigureOut">
               <a:rPr lang="en-US" smtClean="0"/>
-              <a:t>3/24/20</a:t>
+              <a:t>9/20/23</a:t>
             </a:fld>
             <a:endParaRPr lang="en-US"/>
           </a:p>
@@ -3127,7 +3128,7 @@
           <a:p>
             <a:fld id="{61D1B961-7629-FD4E-B754-9F157B535951}" type="datetimeFigureOut">
               <a:rPr lang="en-US" smtClean="0"/>
-              <a:t>3/24/20</a:t>
+              <a:t>9/20/23</a:t>
             </a:fld>
             <a:endParaRPr lang="en-US"/>
           </a:p>
@@ -3368,7 +3369,7 @@
           <a:p>
             <a:fld id="{61D1B961-7629-FD4E-B754-9F157B535951}" type="datetimeFigureOut">
               <a:rPr lang="en-US" smtClean="0"/>
-              <a:t>3/24/20</a:t>
+              <a:t>9/20/23</a:t>
             </a:fld>
             <a:endParaRPr lang="en-US"/>
           </a:p>
@@ -8602,6 +8603,97 @@
     <p:extLst>
       <p:ext uri="{BB962C8B-B14F-4D97-AF65-F5344CB8AC3E}">
         <p14:creationId xmlns:p14="http://schemas.microsoft.com/office/powerpoint/2010/main" val="3854492080"/>
+      </p:ext>
+    </p:extLst>
+  </p:cSld>
+  <p:clrMapOvr>
+    <a:masterClrMapping/>
+  </p:clrMapOvr>
+</p:sld>
+</file>
+
+<file path=ppt/slides/slide25.xml><?xml version="1.0" encoding="utf-8"?>
+<p:sld xmlns:a="http://schemas.openxmlformats.org/drawingml/2006/main" xmlns:r="http://schemas.openxmlformats.org/officeDocument/2006/relationships" xmlns:p="http://schemas.openxmlformats.org/presentationml/2006/main">
+  <p:cSld>
+    <p:spTree>
+      <p:nvGrpSpPr>
+        <p:cNvPr id="1" name=""/>
+        <p:cNvGrpSpPr/>
+        <p:nvPr/>
+      </p:nvGrpSpPr>
+      <p:grpSpPr>
+        <a:xfrm>
+          <a:off x="0" y="0"/>
+          <a:ext cx="0" cy="0"/>
+          <a:chOff x="0" y="0"/>
+          <a:chExt cx="0" cy="0"/>
+        </a:xfrm>
+      </p:grpSpPr>
+      <p:sp>
+        <p:nvSpPr>
+          <p:cNvPr id="2" name="TextBox 1">
+            <a:extLst>
+              <a:ext uri="{FF2B5EF4-FFF2-40B4-BE49-F238E27FC236}">
+                <a16:creationId xmlns:a16="http://schemas.microsoft.com/office/drawing/2014/main" id="{FDA65815-B9BC-D847-BFCC-97A210ED4748}"/>
+              </a:ext>
+            </a:extLst>
+          </p:cNvPr>
+          <p:cNvSpPr txBox="1"/>
+          <p:nvPr/>
+        </p:nvSpPr>
+        <p:spPr>
+          <a:xfrm>
+            <a:off x="271848" y="284205"/>
+            <a:ext cx="10738022" cy="923330"/>
+          </a:xfrm>
+          <a:prstGeom prst="rect">
+            <a:avLst/>
+          </a:prstGeom>
+          <a:noFill/>
+        </p:spPr>
+        <p:txBody>
+          <a:bodyPr wrap="square" rtlCol="0">
+            <a:spAutoFit/>
+          </a:bodyPr>
+          <a:lstStyle/>
+          <a:p>
+            <a:r>
+              <a:rPr lang="en-US" dirty="0"/>
+              <a:t>More Resource to Read</a:t>
+            </a:r>
+          </a:p>
+          <a:p>
+            <a:pPr marL="285750" indent="-285750">
+              <a:buFont typeface="Arial" panose="020B0604020202020204" pitchFamily="34" charset="0"/>
+              <a:buChar char="•"/>
+            </a:pPr>
+            <a:r>
+              <a:rPr lang="en-US" dirty="0">
+                <a:hlinkClick r:id="rId2"/>
+              </a:rPr>
+              <a:t>https://blog.devops.dev</a:t>
+            </a:r>
+            <a:r>
+              <a:rPr lang="en-US">
+                <a:hlinkClick r:id="rId2"/>
+              </a:rPr>
+              <a:t>/how-to-achieve-zero-downtime-application-with-kubernetes-ba52fdea9a9b</a:t>
+            </a:r>
+            <a:endParaRPr lang="en-US"/>
+          </a:p>
+          <a:p>
+            <a:pPr marL="285750" indent="-285750">
+              <a:buFont typeface="Arial" panose="020B0604020202020204" pitchFamily="34" charset="0"/>
+              <a:buChar char="•"/>
+            </a:pPr>
+            <a:endParaRPr lang="en-US" dirty="0"/>
+          </a:p>
+        </p:txBody>
+      </p:sp>
+    </p:spTree>
+    <p:extLst>
+      <p:ext uri="{BB962C8B-B14F-4D97-AF65-F5344CB8AC3E}">
+        <p14:creationId xmlns:p14="http://schemas.microsoft.com/office/powerpoint/2010/main" val="3653176545"/>
       </p:ext>
     </p:extLst>
   </p:cSld>
